--- a/Poster/GRC2019_poster.pptx
+++ b/Poster/GRC2019_poster.pptx
@@ -208,7 +208,7 @@
           <a:p>
             <a:fld id="{FF16F1CD-CCDF-784F-BD1A-E45321D675CB}" type="datetimeFigureOut">
               <a:rPr lang="en-US" smtClean="0"/>
-              <a:t>5/23/19</a:t>
+              <a:t>5/24/19</a:t>
             </a:fld>
             <a:endParaRPr lang="en-US"/>
           </a:p>
@@ -690,7 +690,7 @@
           <a:p>
             <a:fld id="{7FF9FAE2-0C5C-4E49-9521-393C8F8F647B}" type="datetimeFigureOut">
               <a:rPr lang="en-US" smtClean="0"/>
-              <a:t>5/23/19</a:t>
+              <a:t>5/24/19</a:t>
             </a:fld>
             <a:endParaRPr lang="en-US"/>
           </a:p>
@@ -860,7 +860,7 @@
           <a:p>
             <a:fld id="{7FF9FAE2-0C5C-4E49-9521-393C8F8F647B}" type="datetimeFigureOut">
               <a:rPr lang="en-US" smtClean="0"/>
-              <a:t>5/23/19</a:t>
+              <a:t>5/24/19</a:t>
             </a:fld>
             <a:endParaRPr lang="en-US"/>
           </a:p>
@@ -1040,7 +1040,7 @@
           <a:p>
             <a:fld id="{7FF9FAE2-0C5C-4E49-9521-393C8F8F647B}" type="datetimeFigureOut">
               <a:rPr lang="en-US" smtClean="0"/>
-              <a:t>5/23/19</a:t>
+              <a:t>5/24/19</a:t>
             </a:fld>
             <a:endParaRPr lang="en-US"/>
           </a:p>
@@ -1210,7 +1210,7 @@
           <a:p>
             <a:fld id="{7FF9FAE2-0C5C-4E49-9521-393C8F8F647B}" type="datetimeFigureOut">
               <a:rPr lang="en-US" smtClean="0"/>
-              <a:t>5/23/19</a:t>
+              <a:t>5/24/19</a:t>
             </a:fld>
             <a:endParaRPr lang="en-US"/>
           </a:p>
@@ -1454,7 +1454,7 @@
           <a:p>
             <a:fld id="{7FF9FAE2-0C5C-4E49-9521-393C8F8F647B}" type="datetimeFigureOut">
               <a:rPr lang="en-US" smtClean="0"/>
-              <a:t>5/23/19</a:t>
+              <a:t>5/24/19</a:t>
             </a:fld>
             <a:endParaRPr lang="en-US"/>
           </a:p>
@@ -1686,7 +1686,7 @@
           <a:p>
             <a:fld id="{7FF9FAE2-0C5C-4E49-9521-393C8F8F647B}" type="datetimeFigureOut">
               <a:rPr lang="en-US" smtClean="0"/>
-              <a:t>5/23/19</a:t>
+              <a:t>5/24/19</a:t>
             </a:fld>
             <a:endParaRPr lang="en-US"/>
           </a:p>
@@ -2053,7 +2053,7 @@
           <a:p>
             <a:fld id="{7FF9FAE2-0C5C-4E49-9521-393C8F8F647B}" type="datetimeFigureOut">
               <a:rPr lang="en-US" smtClean="0"/>
-              <a:t>5/23/19</a:t>
+              <a:t>5/24/19</a:t>
             </a:fld>
             <a:endParaRPr lang="en-US"/>
           </a:p>
@@ -2171,7 +2171,7 @@
           <a:p>
             <a:fld id="{7FF9FAE2-0C5C-4E49-9521-393C8F8F647B}" type="datetimeFigureOut">
               <a:rPr lang="en-US" smtClean="0"/>
-              <a:t>5/23/19</a:t>
+              <a:t>5/24/19</a:t>
             </a:fld>
             <a:endParaRPr lang="en-US"/>
           </a:p>
@@ -2266,7 +2266,7 @@
           <a:p>
             <a:fld id="{7FF9FAE2-0C5C-4E49-9521-393C8F8F647B}" type="datetimeFigureOut">
               <a:rPr lang="en-US" smtClean="0"/>
-              <a:t>5/23/19</a:t>
+              <a:t>5/24/19</a:t>
             </a:fld>
             <a:endParaRPr lang="en-US"/>
           </a:p>
@@ -2543,7 +2543,7 @@
           <a:p>
             <a:fld id="{7FF9FAE2-0C5C-4E49-9521-393C8F8F647B}" type="datetimeFigureOut">
               <a:rPr lang="en-US" smtClean="0"/>
-              <a:t>5/23/19</a:t>
+              <a:t>5/24/19</a:t>
             </a:fld>
             <a:endParaRPr lang="en-US"/>
           </a:p>
@@ -2800,7 +2800,7 @@
           <a:p>
             <a:fld id="{7FF9FAE2-0C5C-4E49-9521-393C8F8F647B}" type="datetimeFigureOut">
               <a:rPr lang="en-US" smtClean="0"/>
-              <a:t>5/23/19</a:t>
+              <a:t>5/24/19</a:t>
             </a:fld>
             <a:endParaRPr lang="en-US"/>
           </a:p>
@@ -3013,7 +3013,7 @@
           <a:p>
             <a:fld id="{7FF9FAE2-0C5C-4E49-9521-393C8F8F647B}" type="datetimeFigureOut">
               <a:rPr lang="en-US" smtClean="0"/>
-              <a:t>5/23/19</a:t>
+              <a:t>5/24/19</a:t>
             </a:fld>
             <a:endParaRPr lang="en-US"/>
           </a:p>
@@ -3854,7 +3854,7 @@
         <p:spPr>
           <a:xfrm>
             <a:off x="1163780" y="36976437"/>
-            <a:ext cx="19784291" cy="1015663"/>
+            <a:ext cx="19784291" cy="2862322"/>
           </a:xfrm>
           <a:prstGeom prst="rect">
             <a:avLst/>
@@ -3874,23 +3874,26 @@
                 </a:solidFill>
                 <a:latin typeface="Corbel" panose="020B0503020204020204" pitchFamily="34" charset="0"/>
               </a:rPr>
-              <a:t>Answer:</a:t>
-            </a:r>
-            <a:r>
-              <a:rPr lang="en-US" sz="6000" dirty="0">
+              <a:t>Answer: With optimal acclimation, C4 plants have the strongest advantage over</a:t>
+            </a:r>
+            <a:r>
+              <a:rPr lang="en-US" sz="6000" b="1" baseline="-25000" dirty="0">
                 <a:solidFill>
                   <a:srgbClr val="009193"/>
                 </a:solidFill>
                 <a:latin typeface="Corbel" panose="020B0503020204020204" pitchFamily="34" charset="0"/>
               </a:rPr>
-              <a:t> …</a:t>
-            </a:r>
-            <a:endParaRPr lang="en-US" sz="6000" b="1" dirty="0">
-              <a:solidFill>
-                <a:srgbClr val="009193"/>
-              </a:solidFill>
-              <a:latin typeface="Corbel" panose="020B0503020204020204" pitchFamily="34" charset="0"/>
-            </a:endParaRPr>
+              <a:t> </a:t>
+            </a:r>
+            <a:r>
+              <a:rPr lang="en-US" sz="6000" b="1" dirty="0">
+                <a:solidFill>
+                  <a:srgbClr val="009193"/>
+                </a:solidFill>
+                <a:latin typeface="Corbel" panose="020B0503020204020204" pitchFamily="34" charset="0"/>
+              </a:rPr>
+              <a:t>C3 plants in warm, dry, high light, and low CO2 environments</a:t>
+            </a:r>
           </a:p>
         </p:txBody>
       </p:sp>
@@ -4374,6 +4377,111 @@
           </a:p>
         </p:txBody>
       </p:sp>
+      <p:sp>
+        <p:nvSpPr>
+          <p:cNvPr id="18" name="TextBox 17">
+            <a:extLst>
+              <a:ext uri="{FF2B5EF4-FFF2-40B4-BE49-F238E27FC236}">
+                <a16:creationId xmlns:a16="http://schemas.microsoft.com/office/drawing/2014/main" id="{BF280D5F-C739-6C4B-A5A1-4364A829AF6B}"/>
+              </a:ext>
+            </a:extLst>
+          </p:cNvPr>
+          <p:cNvSpPr txBox="1"/>
+          <p:nvPr/>
+        </p:nvSpPr>
+        <p:spPr>
+          <a:xfrm>
+            <a:off x="18768817" y="32070796"/>
+            <a:ext cx="3244799" cy="2123658"/>
+          </a:xfrm>
+          <a:prstGeom prst="rect">
+            <a:avLst/>
+          </a:prstGeom>
+          <a:noFill/>
+        </p:spPr>
+        <p:txBody>
+          <a:bodyPr wrap="none" rtlCol="0">
+            <a:spAutoFit/>
+          </a:bodyPr>
+          <a:lstStyle/>
+          <a:p>
+            <a:r>
+              <a:rPr lang="en-US" sz="6600" dirty="0">
+                <a:solidFill>
+                  <a:srgbClr val="FF0000"/>
+                </a:solidFill>
+              </a:rPr>
+              <a:t>Red = C</a:t>
+            </a:r>
+            <a:r>
+              <a:rPr lang="en-US" sz="6600" baseline="-25000" dirty="0">
+                <a:solidFill>
+                  <a:srgbClr val="FF0000"/>
+                </a:solidFill>
+              </a:rPr>
+              <a:t>4</a:t>
+            </a:r>
+            <a:endParaRPr lang="en-US" sz="6600" dirty="0">
+              <a:solidFill>
+                <a:srgbClr val="FF0000"/>
+              </a:solidFill>
+            </a:endParaRPr>
+          </a:p>
+          <a:p>
+            <a:r>
+              <a:rPr lang="en-US" sz="6600" dirty="0">
+                <a:solidFill>
+                  <a:srgbClr val="0432FF"/>
+                </a:solidFill>
+              </a:rPr>
+              <a:t>Blue = C</a:t>
+            </a:r>
+            <a:r>
+              <a:rPr lang="en-US" sz="6600" baseline="-25000" dirty="0">
+                <a:solidFill>
+                  <a:srgbClr val="0432FF"/>
+                </a:solidFill>
+              </a:rPr>
+              <a:t>3</a:t>
+            </a:r>
+            <a:endParaRPr lang="en-US" sz="6600" dirty="0">
+              <a:solidFill>
+                <a:srgbClr val="0432FF"/>
+              </a:solidFill>
+            </a:endParaRPr>
+          </a:p>
+        </p:txBody>
+      </p:sp>
+      <p:pic>
+        <p:nvPicPr>
+          <p:cNvPr id="25" name="Picture 24">
+            <a:extLst>
+              <a:ext uri="{FF2B5EF4-FFF2-40B4-BE49-F238E27FC236}">
+                <a16:creationId xmlns:a16="http://schemas.microsoft.com/office/drawing/2014/main" id="{FBB3BE0A-6A21-D445-A328-9EB9869CA43D}"/>
+              </a:ext>
+            </a:extLst>
+          </p:cNvPr>
+          <p:cNvPicPr>
+            <a:picLocks noChangeAspect="1"/>
+          </p:cNvPicPr>
+          <p:nvPr/>
+        </p:nvPicPr>
+        <p:blipFill>
+          <a:blip r:embed="rId8"/>
+          <a:stretch>
+            <a:fillRect/>
+          </a:stretch>
+        </p:blipFill>
+        <p:spPr>
+          <a:xfrm>
+            <a:off x="1163780" y="30834239"/>
+            <a:ext cx="17605037" cy="5331309"/>
+          </a:xfrm>
+          <a:prstGeom prst="rect">
+            <a:avLst/>
+          </a:prstGeom>
+        </p:spPr>
+      </p:pic>
     </p:spTree>
     <p:extLst>
       <p:ext uri="{BB962C8B-B14F-4D97-AF65-F5344CB8AC3E}">

--- a/Poster/GRC2019_poster.pptx
+++ b/Poster/GRC2019_poster.pptx
@@ -208,7 +208,7 @@
           <a:p>
             <a:fld id="{FF16F1CD-CCDF-784F-BD1A-E45321D675CB}" type="datetimeFigureOut">
               <a:rPr lang="en-US" smtClean="0"/>
-              <a:t>5/24/19</a:t>
+              <a:t>5/29/19</a:t>
             </a:fld>
             <a:endParaRPr lang="en-US"/>
           </a:p>
@@ -690,7 +690,7 @@
           <a:p>
             <a:fld id="{7FF9FAE2-0C5C-4E49-9521-393C8F8F647B}" type="datetimeFigureOut">
               <a:rPr lang="en-US" smtClean="0"/>
-              <a:t>5/24/19</a:t>
+              <a:t>5/29/19</a:t>
             </a:fld>
             <a:endParaRPr lang="en-US"/>
           </a:p>
@@ -860,7 +860,7 @@
           <a:p>
             <a:fld id="{7FF9FAE2-0C5C-4E49-9521-393C8F8F647B}" type="datetimeFigureOut">
               <a:rPr lang="en-US" smtClean="0"/>
-              <a:t>5/24/19</a:t>
+              <a:t>5/29/19</a:t>
             </a:fld>
             <a:endParaRPr lang="en-US"/>
           </a:p>
@@ -1040,7 +1040,7 @@
           <a:p>
             <a:fld id="{7FF9FAE2-0C5C-4E49-9521-393C8F8F647B}" type="datetimeFigureOut">
               <a:rPr lang="en-US" smtClean="0"/>
-              <a:t>5/24/19</a:t>
+              <a:t>5/29/19</a:t>
             </a:fld>
             <a:endParaRPr lang="en-US"/>
           </a:p>
@@ -1210,7 +1210,7 @@
           <a:p>
             <a:fld id="{7FF9FAE2-0C5C-4E49-9521-393C8F8F647B}" type="datetimeFigureOut">
               <a:rPr lang="en-US" smtClean="0"/>
-              <a:t>5/24/19</a:t>
+              <a:t>5/29/19</a:t>
             </a:fld>
             <a:endParaRPr lang="en-US"/>
           </a:p>
@@ -1454,7 +1454,7 @@
           <a:p>
             <a:fld id="{7FF9FAE2-0C5C-4E49-9521-393C8F8F647B}" type="datetimeFigureOut">
               <a:rPr lang="en-US" smtClean="0"/>
-              <a:t>5/24/19</a:t>
+              <a:t>5/29/19</a:t>
             </a:fld>
             <a:endParaRPr lang="en-US"/>
           </a:p>
@@ -1686,7 +1686,7 @@
           <a:p>
             <a:fld id="{7FF9FAE2-0C5C-4E49-9521-393C8F8F647B}" type="datetimeFigureOut">
               <a:rPr lang="en-US" smtClean="0"/>
-              <a:t>5/24/19</a:t>
+              <a:t>5/29/19</a:t>
             </a:fld>
             <a:endParaRPr lang="en-US"/>
           </a:p>
@@ -2053,7 +2053,7 @@
           <a:p>
             <a:fld id="{7FF9FAE2-0C5C-4E49-9521-393C8F8F647B}" type="datetimeFigureOut">
               <a:rPr lang="en-US" smtClean="0"/>
-              <a:t>5/24/19</a:t>
+              <a:t>5/29/19</a:t>
             </a:fld>
             <a:endParaRPr lang="en-US"/>
           </a:p>
@@ -2171,7 +2171,7 @@
           <a:p>
             <a:fld id="{7FF9FAE2-0C5C-4E49-9521-393C8F8F647B}" type="datetimeFigureOut">
               <a:rPr lang="en-US" smtClean="0"/>
-              <a:t>5/24/19</a:t>
+              <a:t>5/29/19</a:t>
             </a:fld>
             <a:endParaRPr lang="en-US"/>
           </a:p>
@@ -2266,7 +2266,7 @@
           <a:p>
             <a:fld id="{7FF9FAE2-0C5C-4E49-9521-393C8F8F647B}" type="datetimeFigureOut">
               <a:rPr lang="en-US" smtClean="0"/>
-              <a:t>5/24/19</a:t>
+              <a:t>5/29/19</a:t>
             </a:fld>
             <a:endParaRPr lang="en-US"/>
           </a:p>
@@ -2543,7 +2543,7 @@
           <a:p>
             <a:fld id="{7FF9FAE2-0C5C-4E49-9521-393C8F8F647B}" type="datetimeFigureOut">
               <a:rPr lang="en-US" smtClean="0"/>
-              <a:t>5/24/19</a:t>
+              <a:t>5/29/19</a:t>
             </a:fld>
             <a:endParaRPr lang="en-US"/>
           </a:p>
@@ -2800,7 +2800,7 @@
           <a:p>
             <a:fld id="{7FF9FAE2-0C5C-4E49-9521-393C8F8F647B}" type="datetimeFigureOut">
               <a:rPr lang="en-US" smtClean="0"/>
-              <a:t>5/24/19</a:t>
+              <a:t>5/29/19</a:t>
             </a:fld>
             <a:endParaRPr lang="en-US"/>
           </a:p>
@@ -3013,7 +3013,7 @@
           <a:p>
             <a:fld id="{7FF9FAE2-0C5C-4E49-9521-393C8F8F647B}" type="datetimeFigureOut">
               <a:rPr lang="en-US" smtClean="0"/>
-              <a:t>5/24/19</a:t>
+              <a:t>5/29/19</a:t>
             </a:fld>
             <a:endParaRPr lang="en-US"/>
           </a:p>
@@ -3473,8 +3473,8 @@
         </p:nvSpPr>
         <p:spPr>
           <a:xfrm>
-            <a:off x="6276109" y="6983770"/>
-            <a:ext cx="31338982" cy="4893647"/>
+            <a:off x="1163780" y="6983770"/>
+            <a:ext cx="41462497" cy="2877711"/>
           </a:xfrm>
           <a:prstGeom prst="rect">
             <a:avLst/>
@@ -3489,7 +3489,7 @@
           <a:p>
             <a:pPr algn="ctr"/>
             <a:r>
-              <a:rPr lang="en-US" sz="8800" b="1" dirty="0">
+              <a:rPr lang="en-US" sz="6600" b="1" dirty="0">
                 <a:solidFill>
                   <a:srgbClr val="011893"/>
                 </a:solidFill>
@@ -3501,7 +3501,7 @@
           <a:p>
             <a:pPr algn="ctr"/>
             <a:r>
-              <a:rPr lang="en-US" sz="8000" b="1" dirty="0" err="1">
+              <a:rPr lang="en-US" sz="6000" b="1" dirty="0" err="1">
                 <a:solidFill>
                   <a:srgbClr val="009193"/>
                 </a:solidFill>
@@ -3510,7 +3510,7 @@
               <a:t>nick.smith@ttu.edu</a:t>
             </a:r>
             <a:r>
-              <a:rPr lang="en-US" sz="8000" b="1" dirty="0">
+              <a:rPr lang="en-US" sz="6000" b="1" dirty="0">
                 <a:solidFill>
                   <a:srgbClr val="009193"/>
                 </a:solidFill>
@@ -3519,7 +3519,7 @@
               <a:t>, @</a:t>
             </a:r>
             <a:r>
-              <a:rPr lang="en-US" sz="8000" b="1" dirty="0" err="1">
+              <a:rPr lang="en-US" sz="6000" b="1" dirty="0" err="1">
                 <a:solidFill>
                   <a:srgbClr val="009193"/>
                 </a:solidFill>
@@ -3527,7 +3527,7 @@
               </a:rPr>
               <a:t>nick_greg_smith</a:t>
             </a:r>
-            <a:endParaRPr lang="en-US" sz="2400" b="1" dirty="0">
+            <a:endParaRPr lang="en-US" sz="1600" b="1" dirty="0">
               <a:solidFill>
                 <a:srgbClr val="009193"/>
               </a:solidFill>
@@ -3536,7 +3536,7 @@
           </a:p>
           <a:p>
             <a:pPr algn="ctr"/>
-            <a:endParaRPr lang="en-US" sz="1600" b="1" dirty="0">
+            <a:endParaRPr lang="en-US" sz="1100" b="1" dirty="0">
               <a:solidFill>
                 <a:srgbClr val="212121"/>
               </a:solidFill>
@@ -3546,25 +3546,13 @@
           <a:p>
             <a:pPr algn="ctr"/>
             <a:r>
-              <a:rPr lang="en-US" sz="6000" b="1" dirty="0">
+              <a:rPr lang="en-US" sz="4400" b="1" dirty="0">
                 <a:solidFill>
                   <a:srgbClr val="424242"/>
                 </a:solidFill>
                 <a:latin typeface="Corbel" panose="020B0503020204020204" pitchFamily="34" charset="0"/>
               </a:rPr>
-              <a:t>Elizabeth Waring (TTU), Helen Scott (TTU), Trevor Keenan (Berkeley Lab), </a:t>
-            </a:r>
-          </a:p>
-          <a:p>
-            <a:pPr algn="ctr"/>
-            <a:r>
-              <a:rPr lang="en-US" sz="6000" b="1" dirty="0">
-                <a:solidFill>
-                  <a:srgbClr val="424242"/>
-                </a:solidFill>
-                <a:latin typeface="Corbel" panose="020B0503020204020204" pitchFamily="34" charset="0"/>
-              </a:rPr>
-              <a:t>Han Wang (Tsinghua University), Colin Prentice (Imperial College)</a:t>
+              <a:t>Elizabeth Waring (TTU), Helen Scott (TTU), Trevor Keenan (Berkeley Lab), Han Wang (Tsinghua University), Colin Prentice (Imperial College)</a:t>
             </a:r>
           </a:p>
         </p:txBody>
@@ -3583,7 +3571,7 @@
         </p:nvSpPr>
         <p:spPr>
           <a:xfrm>
-            <a:off x="1163782" y="15746181"/>
+            <a:off x="1163782" y="13584872"/>
             <a:ext cx="19784291" cy="2554545"/>
           </a:xfrm>
           <a:prstGeom prst="rect">
@@ -3623,7 +3611,7 @@
         </p:nvSpPr>
         <p:spPr>
           <a:xfrm>
-            <a:off x="22943124" y="15746181"/>
+            <a:off x="22943124" y="13584872"/>
             <a:ext cx="20033675" cy="1323439"/>
           </a:xfrm>
           <a:prstGeom prst="rect">
@@ -3663,7 +3651,7 @@
         </p:nvSpPr>
         <p:spPr>
           <a:xfrm>
-            <a:off x="1163782" y="27577710"/>
+            <a:off x="1163782" y="25998292"/>
             <a:ext cx="19784291" cy="2538900"/>
           </a:xfrm>
           <a:prstGeom prst="rect">
@@ -3703,7 +3691,7 @@
         </p:nvSpPr>
         <p:spPr>
           <a:xfrm>
-            <a:off x="22943123" y="27577710"/>
+            <a:off x="22943123" y="25998292"/>
             <a:ext cx="20033675" cy="1315617"/>
           </a:xfrm>
           <a:prstGeom prst="rect">
@@ -3743,7 +3731,7 @@
         </p:nvSpPr>
         <p:spPr>
           <a:xfrm>
-            <a:off x="1163781" y="24333806"/>
+            <a:off x="1163781" y="23003767"/>
             <a:ext cx="19784291" cy="1938992"/>
           </a:xfrm>
           <a:prstGeom prst="rect">
@@ -3798,7 +3786,7 @@
         </p:nvSpPr>
         <p:spPr>
           <a:xfrm>
-            <a:off x="22943123" y="24333806"/>
+            <a:off x="22943123" y="23003767"/>
             <a:ext cx="19784291" cy="2862322"/>
           </a:xfrm>
           <a:prstGeom prst="rect">
@@ -3853,7 +3841,7 @@
         </p:nvSpPr>
         <p:spPr>
           <a:xfrm>
-            <a:off x="1163780" y="36976437"/>
+            <a:off x="1163781" y="35986399"/>
             <a:ext cx="19784291" cy="2862322"/>
           </a:xfrm>
           <a:prstGeom prst="rect">
@@ -3874,19 +3862,28 @@
                 </a:solidFill>
                 <a:latin typeface="Corbel" panose="020B0503020204020204" pitchFamily="34" charset="0"/>
               </a:rPr>
-              <a:t>Answer: With optimal acclimation, C4 plants have the strongest advantage over</a:t>
-            </a:r>
-            <a:r>
-              <a:rPr lang="en-US" sz="6000" b="1" baseline="-25000" dirty="0">
+              <a:t>Answer: </a:t>
+            </a:r>
+            <a:r>
+              <a:rPr lang="en-US" sz="6000" dirty="0">
                 <a:solidFill>
                   <a:srgbClr val="009193"/>
                 </a:solidFill>
                 <a:latin typeface="Corbel" panose="020B0503020204020204" pitchFamily="34" charset="0"/>
               </a:rPr>
+              <a:t>With optimal acclimation, C4 plants have the strongest advantage over</a:t>
+            </a:r>
+            <a:r>
+              <a:rPr lang="en-US" sz="6000" baseline="-25000" dirty="0">
+                <a:solidFill>
+                  <a:srgbClr val="009193"/>
+                </a:solidFill>
+                <a:latin typeface="Corbel" panose="020B0503020204020204" pitchFamily="34" charset="0"/>
+              </a:rPr>
               <a:t> </a:t>
             </a:r>
             <a:r>
-              <a:rPr lang="en-US" sz="6000" b="1" dirty="0">
+              <a:rPr lang="en-US" sz="6000" dirty="0">
                 <a:solidFill>
                   <a:srgbClr val="009193"/>
                 </a:solidFill>
@@ -3911,8 +3908,8 @@
         </p:nvSpPr>
         <p:spPr>
           <a:xfrm>
-            <a:off x="23067814" y="36976437"/>
-            <a:ext cx="19784291" cy="1015663"/>
+            <a:off x="23067813" y="35986399"/>
+            <a:ext cx="19784291" cy="3785652"/>
           </a:xfrm>
           <a:prstGeom prst="rect">
             <a:avLst/>
@@ -3941,7 +3938,7 @@
                 </a:solidFill>
                 <a:latin typeface="Corbel" panose="020B0503020204020204" pitchFamily="34" charset="0"/>
               </a:rPr>
-              <a:t> …</a:t>
+              <a:t> Increasing temperature alone will increase allocation to Rubisco carboxylation, generally increasing photosynthesis. Elevated CO2 may lead to an overinvestment in electron transport, resulting in higher, but sub-optimal photosynthesis.</a:t>
             </a:r>
             <a:endParaRPr lang="en-US" sz="6000" b="1" dirty="0">
               <a:solidFill>
@@ -3974,8 +3971,8 @@
         </p:blipFill>
         <p:spPr>
           <a:xfrm>
-            <a:off x="13406202" y="17627034"/>
-            <a:ext cx="5692931" cy="6573980"/>
+            <a:off x="13225218" y="15221618"/>
+            <a:ext cx="6739182" cy="7782150"/>
           </a:xfrm>
           <a:prstGeom prst="rect">
             <a:avLst/>
@@ -4004,8 +4001,8 @@
         </p:blipFill>
         <p:spPr>
           <a:xfrm>
-            <a:off x="2327560" y="18289816"/>
-            <a:ext cx="8728365" cy="3862109"/>
+            <a:off x="1734651" y="16128507"/>
+            <a:ext cx="9676500" cy="4281638"/>
           </a:xfrm>
           <a:prstGeom prst="rect">
             <a:avLst/>
@@ -4026,8 +4023,8 @@
         </p:nvSpPr>
         <p:spPr>
           <a:xfrm>
-            <a:off x="1514303" y="22158530"/>
-            <a:ext cx="11029140" cy="1815882"/>
+            <a:off x="1514303" y="20410145"/>
+            <a:ext cx="11029140" cy="2554545"/>
           </a:xfrm>
           <a:prstGeom prst="rect">
             <a:avLst/>
@@ -4041,7 +4038,7 @@
           <a:lstStyle/>
           <a:p>
             <a:r>
-              <a:rPr lang="en-US" sz="2800" dirty="0">
+              <a:rPr lang="en-US" sz="3200" dirty="0">
                 <a:solidFill>
                   <a:srgbClr val="011893"/>
                 </a:solidFill>
@@ -4050,7 +4047,7 @@
               <a:t>(Top) Expected environmental response of carboxylation capacity (</a:t>
             </a:r>
             <a:r>
-              <a:rPr lang="en-US" sz="2800" i="1" dirty="0" err="1">
+              <a:rPr lang="en-US" sz="3200" i="1" dirty="0" err="1">
                 <a:solidFill>
                   <a:srgbClr val="011893"/>
                 </a:solidFill>
@@ -4059,7 +4056,7 @@
               <a:t>V</a:t>
             </a:r>
             <a:r>
-              <a:rPr lang="en-US" sz="2800" baseline="-25000" dirty="0" err="1">
+              <a:rPr lang="en-US" sz="3200" baseline="-25000" dirty="0" err="1">
                 <a:solidFill>
                   <a:srgbClr val="011893"/>
                 </a:solidFill>
@@ -4068,7 +4065,7 @@
               <a:t>cmax</a:t>
             </a:r>
             <a:r>
-              <a:rPr lang="en-US" sz="2800" dirty="0">
+              <a:rPr lang="en-US" sz="3200" dirty="0">
                 <a:solidFill>
                   <a:srgbClr val="011893"/>
                 </a:solidFill>
@@ -4077,7 +4074,7 @@
               <a:t>) and the ratio of intercellular to ambient CO2 (</a:t>
             </a:r>
             <a:r>
-              <a:rPr lang="en-US" sz="2800" i="1" dirty="0">
+              <a:rPr lang="en-US" sz="3200" i="1" dirty="0">
                 <a:solidFill>
                   <a:srgbClr val="011893"/>
                 </a:solidFill>
@@ -4086,25 +4083,44 @@
               <a:t>X</a:t>
             </a:r>
             <a:r>
-              <a:rPr lang="en-US" sz="2800" dirty="0">
+              <a:rPr lang="en-US" sz="3200" dirty="0">
                 <a:solidFill>
                   <a:srgbClr val="011893"/>
                 </a:solidFill>
                 <a:latin typeface="Corbel" panose="020B0503020204020204" pitchFamily="34" charset="0"/>
               </a:rPr>
-              <a:t>). (Right) globally observed versus optimality predicted </a:t>
-            </a:r>
-            <a:r>
-              <a:rPr lang="en-US" sz="2800" i="1" dirty="0" err="1">
+              <a:t>). </a:t>
+            </a:r>
+          </a:p>
+          <a:p>
+            <a:endParaRPr lang="en-US" sz="3200" dirty="0">
+              <a:solidFill>
+                <a:srgbClr val="011893"/>
+              </a:solidFill>
+              <a:latin typeface="Corbel" panose="020B0503020204020204" pitchFamily="34" charset="0"/>
+            </a:endParaRPr>
+          </a:p>
+          <a:p>
+            <a:r>
+              <a:rPr lang="en-US" sz="3200" dirty="0">
                 <a:solidFill>
                   <a:srgbClr val="011893"/>
                 </a:solidFill>
                 <a:latin typeface="Corbel" panose="020B0503020204020204" pitchFamily="34" charset="0"/>
               </a:rPr>
+              <a:t>(Right) globally observed versus optimality predicted </a:t>
+            </a:r>
+            <a:r>
+              <a:rPr lang="en-US" sz="3200" i="1" dirty="0" err="1">
+                <a:solidFill>
+                  <a:srgbClr val="011893"/>
+                </a:solidFill>
+                <a:latin typeface="Corbel" panose="020B0503020204020204" pitchFamily="34" charset="0"/>
+              </a:rPr>
               <a:t>V</a:t>
             </a:r>
             <a:r>
-              <a:rPr lang="en-US" sz="2800" baseline="-25000" dirty="0" err="1">
+              <a:rPr lang="en-US" sz="3200" baseline="-25000" dirty="0" err="1">
                 <a:solidFill>
                   <a:srgbClr val="011893"/>
                 </a:solidFill>
@@ -4113,7 +4129,7 @@
               <a:t>cmax</a:t>
             </a:r>
             <a:r>
-              <a:rPr lang="en-US" sz="2800" dirty="0">
+              <a:rPr lang="en-US" sz="3200" dirty="0">
                 <a:solidFill>
                   <a:srgbClr val="011893"/>
                 </a:solidFill>
@@ -4138,7 +4154,7 @@
         </p:nvSpPr>
         <p:spPr>
           <a:xfrm>
-            <a:off x="1514303" y="12233829"/>
+            <a:off x="1514303" y="10072520"/>
             <a:ext cx="41111974" cy="3046988"/>
           </a:xfrm>
           <a:prstGeom prst="rect">
@@ -4196,8 +4212,8 @@
         </p:blipFill>
         <p:spPr>
           <a:xfrm>
-            <a:off x="34556709" y="17912646"/>
-            <a:ext cx="6813548" cy="5190509"/>
+            <a:off x="34556709" y="16170888"/>
+            <a:ext cx="8069568" cy="6147335"/>
           </a:xfrm>
           <a:prstGeom prst="rect">
             <a:avLst/>
@@ -4226,8 +4242,8 @@
         </p:blipFill>
         <p:spPr>
           <a:xfrm>
-            <a:off x="23998733" y="17299195"/>
-            <a:ext cx="4338794" cy="4233929"/>
+            <a:off x="23447540" y="15137886"/>
+            <a:ext cx="4889987" cy="4771800"/>
           </a:xfrm>
           <a:prstGeom prst="rect">
             <a:avLst/>
@@ -4256,8 +4272,8 @@
         </p:blipFill>
         <p:spPr>
           <a:xfrm>
-            <a:off x="28621165" y="17299195"/>
-            <a:ext cx="4338794" cy="4233929"/>
+            <a:off x="28723423" y="15137886"/>
+            <a:ext cx="4889987" cy="4771800"/>
           </a:xfrm>
           <a:prstGeom prst="rect">
             <a:avLst/>
@@ -4278,8 +4294,8 @@
         </p:nvSpPr>
         <p:spPr>
           <a:xfrm>
-            <a:off x="22943123" y="21727643"/>
-            <a:ext cx="11029140" cy="2246769"/>
+            <a:off x="22943123" y="20181428"/>
+            <a:ext cx="11029140" cy="2677656"/>
           </a:xfrm>
           <a:prstGeom prst="rect">
             <a:avLst/>
@@ -4299,7 +4315,26 @@
                 </a:solidFill>
                 <a:latin typeface="Corbel" panose="020B0503020204020204" pitchFamily="34" charset="0"/>
               </a:rPr>
-              <a:t>(Top) Adding nitrogen had little impact on greenhouse-grown cotton (p&gt;0.05), but had a large positive impact on leaf area (p&lt;0.05). (Right) Data from the </a:t>
+              <a:t>(Top) Adding nitrogen had little impact on greenhouse-grown cotton (p&gt;0.05), but had a large positive impact on leaf area (p&lt;0.05). </a:t>
+            </a:r>
+          </a:p>
+          <a:p>
+            <a:endParaRPr lang="en-US" sz="2800" dirty="0">
+              <a:solidFill>
+                <a:srgbClr val="011893"/>
+              </a:solidFill>
+              <a:latin typeface="Corbel" panose="020B0503020204020204" pitchFamily="34" charset="0"/>
+            </a:endParaRPr>
+          </a:p>
+          <a:p>
+            <a:r>
+              <a:rPr lang="en-US" sz="2800" dirty="0">
+                <a:solidFill>
+                  <a:srgbClr val="011893"/>
+                </a:solidFill>
+                <a:latin typeface="Corbel" panose="020B0503020204020204" pitchFamily="34" charset="0"/>
+              </a:rPr>
+              <a:t>(Right) Data from the </a:t>
             </a:r>
             <a:r>
               <a:rPr lang="en-US" sz="2800" dirty="0" err="1">
@@ -4336,7 +4371,7 @@
         </p:nvSpPr>
         <p:spPr>
           <a:xfrm>
-            <a:off x="35114113" y="17177121"/>
+            <a:off x="35687493" y="15486442"/>
             <a:ext cx="5808000" cy="707886"/>
           </a:xfrm>
           <a:prstGeom prst="rect">
@@ -4391,7 +4426,7 @@
         </p:nvSpPr>
         <p:spPr>
           <a:xfrm>
-            <a:off x="18768817" y="32070796"/>
+            <a:off x="18768817" y="30491378"/>
             <a:ext cx="3244799" cy="2123658"/>
           </a:xfrm>
           <a:prstGeom prst="rect">
@@ -4474,7 +4509,7 @@
         </p:blipFill>
         <p:spPr>
           <a:xfrm>
-            <a:off x="1163780" y="30834239"/>
+            <a:off x="1163780" y="29849491"/>
             <a:ext cx="17605037" cy="5331309"/>
           </a:xfrm>
           <a:prstGeom prst="rect">
@@ -4482,6 +4517,278 @@
           </a:prstGeom>
         </p:spPr>
       </p:pic>
+      <p:pic>
+        <p:nvPicPr>
+          <p:cNvPr id="10" name="Picture 9">
+            <a:extLst>
+              <a:ext uri="{FF2B5EF4-FFF2-40B4-BE49-F238E27FC236}">
+                <a16:creationId xmlns:a16="http://schemas.microsoft.com/office/drawing/2014/main" id="{AC7CCAC1-7D81-BC46-B5F4-B4483EC87D92}"/>
+              </a:ext>
+            </a:extLst>
+          </p:cNvPr>
+          <p:cNvPicPr>
+            <a:picLocks noChangeAspect="1"/>
+          </p:cNvPicPr>
+          <p:nvPr/>
+        </p:nvPicPr>
+        <p:blipFill rotWithShape="1">
+          <a:blip r:embed="rId9"/>
+          <a:srcRect r="24535"/>
+          <a:stretch/>
+        </p:blipFill>
+        <p:spPr>
+          <a:xfrm>
+            <a:off x="23179645" y="27585651"/>
+            <a:ext cx="7193428" cy="8400748"/>
+          </a:xfrm>
+          <a:prstGeom prst="rect">
+            <a:avLst/>
+          </a:prstGeom>
+        </p:spPr>
+      </p:pic>
+      <p:pic>
+        <p:nvPicPr>
+          <p:cNvPr id="26" name="Picture 25">
+            <a:extLst>
+              <a:ext uri="{FF2B5EF4-FFF2-40B4-BE49-F238E27FC236}">
+                <a16:creationId xmlns:a16="http://schemas.microsoft.com/office/drawing/2014/main" id="{27B2C11B-0B68-9E44-AB19-23304DC68C70}"/>
+              </a:ext>
+            </a:extLst>
+          </p:cNvPr>
+          <p:cNvPicPr>
+            <a:picLocks noChangeAspect="1"/>
+          </p:cNvPicPr>
+          <p:nvPr/>
+        </p:nvPicPr>
+        <p:blipFill rotWithShape="1">
+          <a:blip r:embed="rId9"/>
+          <a:srcRect l="76239" t="38727" b="48211"/>
+          <a:stretch/>
+        </p:blipFill>
+        <p:spPr>
+          <a:xfrm>
+            <a:off x="26737844" y="27916338"/>
+            <a:ext cx="3246912" cy="1573061"/>
+          </a:xfrm>
+          <a:prstGeom prst="rect">
+            <a:avLst/>
+          </a:prstGeom>
+        </p:spPr>
+      </p:pic>
+      <p:pic>
+        <p:nvPicPr>
+          <p:cNvPr id="27" name="Picture 26">
+            <a:extLst>
+              <a:ext uri="{FF2B5EF4-FFF2-40B4-BE49-F238E27FC236}">
+                <a16:creationId xmlns:a16="http://schemas.microsoft.com/office/drawing/2014/main" id="{1EF15BE8-A807-9E44-A38A-585798C73BB3}"/>
+              </a:ext>
+            </a:extLst>
+          </p:cNvPr>
+          <p:cNvPicPr>
+            <a:picLocks noChangeAspect="1"/>
+          </p:cNvPicPr>
+          <p:nvPr/>
+        </p:nvPicPr>
+        <p:blipFill rotWithShape="1">
+          <a:blip r:embed="rId10"/>
+          <a:srcRect l="11045" t="1024" r="3241" b="8716"/>
+          <a:stretch/>
+        </p:blipFill>
+        <p:spPr>
+          <a:xfrm>
+            <a:off x="36597712" y="27325882"/>
+            <a:ext cx="5083687" cy="8603510"/>
+          </a:xfrm>
+          <a:prstGeom prst="rect">
+            <a:avLst/>
+          </a:prstGeom>
+        </p:spPr>
+      </p:pic>
+      <p:sp>
+        <p:nvSpPr>
+          <p:cNvPr id="28" name="TextBox 27">
+            <a:extLst>
+              <a:ext uri="{FF2B5EF4-FFF2-40B4-BE49-F238E27FC236}">
+                <a16:creationId xmlns:a16="http://schemas.microsoft.com/office/drawing/2014/main" id="{8CC4DC2C-B216-C244-B065-1518AC10171B}"/>
+              </a:ext>
+            </a:extLst>
+          </p:cNvPr>
+          <p:cNvSpPr txBox="1"/>
+          <p:nvPr/>
+        </p:nvSpPr>
+        <p:spPr>
+          <a:xfrm>
+            <a:off x="30982672" y="29254821"/>
+            <a:ext cx="5391181" cy="5078313"/>
+          </a:xfrm>
+          <a:prstGeom prst="rect">
+            <a:avLst/>
+          </a:prstGeom>
+          <a:noFill/>
+        </p:spPr>
+        <p:txBody>
+          <a:bodyPr wrap="square" rtlCol="0">
+            <a:spAutoFit/>
+          </a:bodyPr>
+          <a:lstStyle/>
+          <a:p>
+            <a:r>
+              <a:rPr lang="en-US" sz="3600" dirty="0">
+                <a:solidFill>
+                  <a:srgbClr val="011893"/>
+                </a:solidFill>
+                <a:latin typeface="Corbel" panose="020B0503020204020204" pitchFamily="34" charset="0"/>
+              </a:rPr>
+              <a:t>(Left) Increased temperatures reduces the </a:t>
+            </a:r>
+            <a:r>
+              <a:rPr lang="en-US" sz="3600" i="1" dirty="0" err="1">
+                <a:solidFill>
+                  <a:srgbClr val="011893"/>
+                </a:solidFill>
+                <a:latin typeface="Corbel" panose="020B0503020204020204" pitchFamily="34" charset="0"/>
+              </a:rPr>
+              <a:t>J</a:t>
+            </a:r>
+            <a:r>
+              <a:rPr lang="en-US" sz="3600" baseline="-25000" dirty="0" err="1">
+                <a:solidFill>
+                  <a:srgbClr val="011893"/>
+                </a:solidFill>
+                <a:latin typeface="Corbel" panose="020B0503020204020204" pitchFamily="34" charset="0"/>
+              </a:rPr>
+              <a:t>max</a:t>
+            </a:r>
+            <a:r>
+              <a:rPr lang="en-US" sz="3600" i="1" dirty="0">
+                <a:solidFill>
+                  <a:srgbClr val="011893"/>
+                </a:solidFill>
+                <a:latin typeface="Corbel" panose="020B0503020204020204" pitchFamily="34" charset="0"/>
+              </a:rPr>
+              <a:t>/</a:t>
+            </a:r>
+            <a:r>
+              <a:rPr lang="en-US" sz="3600" i="1" dirty="0" err="1">
+                <a:solidFill>
+                  <a:srgbClr val="011893"/>
+                </a:solidFill>
+                <a:latin typeface="Corbel" panose="020B0503020204020204" pitchFamily="34" charset="0"/>
+              </a:rPr>
+              <a:t>V</a:t>
+            </a:r>
+            <a:r>
+              <a:rPr lang="en-US" sz="3600" baseline="-25000" dirty="0" err="1">
+                <a:solidFill>
+                  <a:srgbClr val="011893"/>
+                </a:solidFill>
+                <a:latin typeface="Corbel" panose="020B0503020204020204" pitchFamily="34" charset="0"/>
+              </a:rPr>
+              <a:t>cmax</a:t>
+            </a:r>
+            <a:r>
+              <a:rPr lang="en-US" sz="3600" dirty="0">
+                <a:solidFill>
+                  <a:srgbClr val="011893"/>
+                </a:solidFill>
+                <a:latin typeface="Corbel" panose="020B0503020204020204" pitchFamily="34" charset="0"/>
+              </a:rPr>
+              <a:t> ratio, as expected from optimization</a:t>
+            </a:r>
+            <a:r>
+              <a:rPr lang="en-US" sz="3600" i="1" dirty="0">
+                <a:solidFill>
+                  <a:srgbClr val="011893"/>
+                </a:solidFill>
+                <a:latin typeface="Corbel" panose="020B0503020204020204" pitchFamily="34" charset="0"/>
+              </a:rPr>
+              <a:t>.</a:t>
+            </a:r>
+            <a:r>
+              <a:rPr lang="en-US" sz="3600" dirty="0">
+                <a:solidFill>
+                  <a:srgbClr val="011893"/>
+                </a:solidFill>
+                <a:latin typeface="Corbel" panose="020B0503020204020204" pitchFamily="34" charset="0"/>
+              </a:rPr>
+              <a:t> </a:t>
+            </a:r>
+          </a:p>
+          <a:p>
+            <a:endParaRPr lang="en-US" sz="3600" dirty="0">
+              <a:solidFill>
+                <a:srgbClr val="011893"/>
+              </a:solidFill>
+              <a:latin typeface="Corbel" panose="020B0503020204020204" pitchFamily="34" charset="0"/>
+            </a:endParaRPr>
+          </a:p>
+          <a:p>
+            <a:r>
+              <a:rPr lang="en-US" sz="3600" dirty="0">
+                <a:solidFill>
+                  <a:srgbClr val="011893"/>
+                </a:solidFill>
+                <a:latin typeface="Corbel" panose="020B0503020204020204" pitchFamily="34" charset="0"/>
+              </a:rPr>
+              <a:t>(Right) Elevated CO2 reduces </a:t>
+            </a:r>
+            <a:r>
+              <a:rPr lang="en-US" sz="3600" i="1" dirty="0" err="1">
+                <a:solidFill>
+                  <a:srgbClr val="011893"/>
+                </a:solidFill>
+                <a:latin typeface="Corbel" panose="020B0503020204020204" pitchFamily="34" charset="0"/>
+              </a:rPr>
+              <a:t>V</a:t>
+            </a:r>
+            <a:r>
+              <a:rPr lang="en-US" sz="3600" baseline="-25000" dirty="0" err="1">
+                <a:solidFill>
+                  <a:srgbClr val="011893"/>
+                </a:solidFill>
+                <a:latin typeface="Corbel" panose="020B0503020204020204" pitchFamily="34" charset="0"/>
+              </a:rPr>
+              <a:t>cmax</a:t>
+            </a:r>
+            <a:r>
+              <a:rPr lang="en-US" sz="3600" dirty="0">
+                <a:solidFill>
+                  <a:srgbClr val="011893"/>
+                </a:solidFill>
+                <a:latin typeface="Corbel" panose="020B0503020204020204" pitchFamily="34" charset="0"/>
+              </a:rPr>
+              <a:t>, as expected from optimization, but also reduces </a:t>
+            </a:r>
+            <a:r>
+              <a:rPr lang="en-US" sz="3600" i="1" dirty="0" err="1">
+                <a:solidFill>
+                  <a:srgbClr val="011893"/>
+                </a:solidFill>
+                <a:latin typeface="Corbel" panose="020B0503020204020204" pitchFamily="34" charset="0"/>
+              </a:rPr>
+              <a:t>J</a:t>
+            </a:r>
+            <a:r>
+              <a:rPr lang="en-US" sz="3600" baseline="-25000" dirty="0" err="1">
+                <a:solidFill>
+                  <a:srgbClr val="011893"/>
+                </a:solidFill>
+                <a:latin typeface="Corbel" panose="020B0503020204020204" pitchFamily="34" charset="0"/>
+              </a:rPr>
+              <a:t>max</a:t>
+            </a:r>
+            <a:r>
+              <a:rPr lang="en-US" sz="3600" dirty="0">
+                <a:solidFill>
+                  <a:srgbClr val="011893"/>
+                </a:solidFill>
+                <a:latin typeface="Corbel" panose="020B0503020204020204" pitchFamily="34" charset="0"/>
+              </a:rPr>
+              <a:t>.</a:t>
+            </a:r>
+          </a:p>
+        </p:txBody>
+      </p:sp>
     </p:spTree>
     <p:extLst>
       <p:ext uri="{BB962C8B-B14F-4D97-AF65-F5344CB8AC3E}">

--- a/Poster/GRC2019_poster.pptx
+++ b/Poster/GRC2019_poster.pptx
@@ -208,7 +208,7 @@
           <a:p>
             <a:fld id="{FF16F1CD-CCDF-784F-BD1A-E45321D675CB}" type="datetimeFigureOut">
               <a:rPr lang="en-US" smtClean="0"/>
-              <a:t>5/29/19</a:t>
+              <a:t>5/30/19</a:t>
             </a:fld>
             <a:endParaRPr lang="en-US"/>
           </a:p>
@@ -690,7 +690,7 @@
           <a:p>
             <a:fld id="{7FF9FAE2-0C5C-4E49-9521-393C8F8F647B}" type="datetimeFigureOut">
               <a:rPr lang="en-US" smtClean="0"/>
-              <a:t>5/29/19</a:t>
+              <a:t>5/30/19</a:t>
             </a:fld>
             <a:endParaRPr lang="en-US"/>
           </a:p>
@@ -860,7 +860,7 @@
           <a:p>
             <a:fld id="{7FF9FAE2-0C5C-4E49-9521-393C8F8F647B}" type="datetimeFigureOut">
               <a:rPr lang="en-US" smtClean="0"/>
-              <a:t>5/29/19</a:t>
+              <a:t>5/30/19</a:t>
             </a:fld>
             <a:endParaRPr lang="en-US"/>
           </a:p>
@@ -1040,7 +1040,7 @@
           <a:p>
             <a:fld id="{7FF9FAE2-0C5C-4E49-9521-393C8F8F647B}" type="datetimeFigureOut">
               <a:rPr lang="en-US" smtClean="0"/>
-              <a:t>5/29/19</a:t>
+              <a:t>5/30/19</a:t>
             </a:fld>
             <a:endParaRPr lang="en-US"/>
           </a:p>
@@ -1210,7 +1210,7 @@
           <a:p>
             <a:fld id="{7FF9FAE2-0C5C-4E49-9521-393C8F8F647B}" type="datetimeFigureOut">
               <a:rPr lang="en-US" smtClean="0"/>
-              <a:t>5/29/19</a:t>
+              <a:t>5/30/19</a:t>
             </a:fld>
             <a:endParaRPr lang="en-US"/>
           </a:p>
@@ -1454,7 +1454,7 @@
           <a:p>
             <a:fld id="{7FF9FAE2-0C5C-4E49-9521-393C8F8F647B}" type="datetimeFigureOut">
               <a:rPr lang="en-US" smtClean="0"/>
-              <a:t>5/29/19</a:t>
+              <a:t>5/30/19</a:t>
             </a:fld>
             <a:endParaRPr lang="en-US"/>
           </a:p>
@@ -1686,7 +1686,7 @@
           <a:p>
             <a:fld id="{7FF9FAE2-0C5C-4E49-9521-393C8F8F647B}" type="datetimeFigureOut">
               <a:rPr lang="en-US" smtClean="0"/>
-              <a:t>5/29/19</a:t>
+              <a:t>5/30/19</a:t>
             </a:fld>
             <a:endParaRPr lang="en-US"/>
           </a:p>
@@ -2053,7 +2053,7 @@
           <a:p>
             <a:fld id="{7FF9FAE2-0C5C-4E49-9521-393C8F8F647B}" type="datetimeFigureOut">
               <a:rPr lang="en-US" smtClean="0"/>
-              <a:t>5/29/19</a:t>
+              <a:t>5/30/19</a:t>
             </a:fld>
             <a:endParaRPr lang="en-US"/>
           </a:p>
@@ -2171,7 +2171,7 @@
           <a:p>
             <a:fld id="{7FF9FAE2-0C5C-4E49-9521-393C8F8F647B}" type="datetimeFigureOut">
               <a:rPr lang="en-US" smtClean="0"/>
-              <a:t>5/29/19</a:t>
+              <a:t>5/30/19</a:t>
             </a:fld>
             <a:endParaRPr lang="en-US"/>
           </a:p>
@@ -2266,7 +2266,7 @@
           <a:p>
             <a:fld id="{7FF9FAE2-0C5C-4E49-9521-393C8F8F647B}" type="datetimeFigureOut">
               <a:rPr lang="en-US" smtClean="0"/>
-              <a:t>5/29/19</a:t>
+              <a:t>5/30/19</a:t>
             </a:fld>
             <a:endParaRPr lang="en-US"/>
           </a:p>
@@ -2543,7 +2543,7 @@
           <a:p>
             <a:fld id="{7FF9FAE2-0C5C-4E49-9521-393C8F8F647B}" type="datetimeFigureOut">
               <a:rPr lang="en-US" smtClean="0"/>
-              <a:t>5/29/19</a:t>
+              <a:t>5/30/19</a:t>
             </a:fld>
             <a:endParaRPr lang="en-US"/>
           </a:p>
@@ -2800,7 +2800,7 @@
           <a:p>
             <a:fld id="{7FF9FAE2-0C5C-4E49-9521-393C8F8F647B}" type="datetimeFigureOut">
               <a:rPr lang="en-US" smtClean="0"/>
-              <a:t>5/29/19</a:t>
+              <a:t>5/30/19</a:t>
             </a:fld>
             <a:endParaRPr lang="en-US"/>
           </a:p>
@@ -3013,7 +3013,7 @@
           <a:p>
             <a:fld id="{7FF9FAE2-0C5C-4E49-9521-393C8F8F647B}" type="datetimeFigureOut">
               <a:rPr lang="en-US" smtClean="0"/>
-              <a:t>5/29/19</a:t>
+              <a:t>5/30/19</a:t>
             </a:fld>
             <a:endParaRPr lang="en-US"/>
           </a:p>
@@ -4789,6 +4789,36 @@
           </a:p>
         </p:txBody>
       </p:sp>
+      <p:pic>
+        <p:nvPicPr>
+          <p:cNvPr id="2" name="Picture 1">
+            <a:extLst>
+              <a:ext uri="{FF2B5EF4-FFF2-40B4-BE49-F238E27FC236}">
+                <a16:creationId xmlns:a16="http://schemas.microsoft.com/office/drawing/2014/main" id="{433D8F92-DBFE-F04A-8938-B9FE5193CA3B}"/>
+              </a:ext>
+            </a:extLst>
+          </p:cNvPr>
+          <p:cNvPicPr>
+            <a:picLocks noChangeAspect="1"/>
+          </p:cNvPicPr>
+          <p:nvPr/>
+        </p:nvPicPr>
+        <p:blipFill>
+          <a:blip r:embed="rId11"/>
+          <a:stretch>
+            <a:fillRect/>
+          </a:stretch>
+        </p:blipFill>
+        <p:spPr>
+          <a:xfrm>
+            <a:off x="28788737" y="8131608"/>
+            <a:ext cx="939440" cy="937605"/>
+          </a:xfrm>
+          <a:prstGeom prst="rect">
+            <a:avLst/>
+          </a:prstGeom>
+        </p:spPr>
+      </p:pic>
     </p:spTree>
     <p:extLst>
       <p:ext uri="{BB962C8B-B14F-4D97-AF65-F5344CB8AC3E}">

--- a/Poster/GRC2019_poster.pptx
+++ b/Poster/GRC2019_poster.pptx
@@ -115,7 +115,7 @@
             <a:srgbClr val="A4A3A4"/>
           </p15:clr>
         </p15:guide>
-        <p15:guide id="2" pos="13824" userDrawn="1">
+        <p15:guide id="2" pos="13800" userDrawn="1">
           <p15:clr>
             <a:srgbClr val="A4A3A4"/>
           </p15:clr>
@@ -208,7 +208,7 @@
           <a:p>
             <a:fld id="{FF16F1CD-CCDF-784F-BD1A-E45321D675CB}" type="datetimeFigureOut">
               <a:rPr lang="en-US" smtClean="0"/>
-              <a:t>5/30/19</a:t>
+              <a:t>5/31/19</a:t>
             </a:fld>
             <a:endParaRPr lang="en-US"/>
           </a:p>
@@ -690,7 +690,7 @@
           <a:p>
             <a:fld id="{7FF9FAE2-0C5C-4E49-9521-393C8F8F647B}" type="datetimeFigureOut">
               <a:rPr lang="en-US" smtClean="0"/>
-              <a:t>5/30/19</a:t>
+              <a:t>5/31/19</a:t>
             </a:fld>
             <a:endParaRPr lang="en-US"/>
           </a:p>
@@ -860,7 +860,7 @@
           <a:p>
             <a:fld id="{7FF9FAE2-0C5C-4E49-9521-393C8F8F647B}" type="datetimeFigureOut">
               <a:rPr lang="en-US" smtClean="0"/>
-              <a:t>5/30/19</a:t>
+              <a:t>5/31/19</a:t>
             </a:fld>
             <a:endParaRPr lang="en-US"/>
           </a:p>
@@ -1040,7 +1040,7 @@
           <a:p>
             <a:fld id="{7FF9FAE2-0C5C-4E49-9521-393C8F8F647B}" type="datetimeFigureOut">
               <a:rPr lang="en-US" smtClean="0"/>
-              <a:t>5/30/19</a:t>
+              <a:t>5/31/19</a:t>
             </a:fld>
             <a:endParaRPr lang="en-US"/>
           </a:p>
@@ -1210,7 +1210,7 @@
           <a:p>
             <a:fld id="{7FF9FAE2-0C5C-4E49-9521-393C8F8F647B}" type="datetimeFigureOut">
               <a:rPr lang="en-US" smtClean="0"/>
-              <a:t>5/30/19</a:t>
+              <a:t>5/31/19</a:t>
             </a:fld>
             <a:endParaRPr lang="en-US"/>
           </a:p>
@@ -1454,7 +1454,7 @@
           <a:p>
             <a:fld id="{7FF9FAE2-0C5C-4E49-9521-393C8F8F647B}" type="datetimeFigureOut">
               <a:rPr lang="en-US" smtClean="0"/>
-              <a:t>5/30/19</a:t>
+              <a:t>5/31/19</a:t>
             </a:fld>
             <a:endParaRPr lang="en-US"/>
           </a:p>
@@ -1686,7 +1686,7 @@
           <a:p>
             <a:fld id="{7FF9FAE2-0C5C-4E49-9521-393C8F8F647B}" type="datetimeFigureOut">
               <a:rPr lang="en-US" smtClean="0"/>
-              <a:t>5/30/19</a:t>
+              <a:t>5/31/19</a:t>
             </a:fld>
             <a:endParaRPr lang="en-US"/>
           </a:p>
@@ -2053,7 +2053,7 @@
           <a:p>
             <a:fld id="{7FF9FAE2-0C5C-4E49-9521-393C8F8F647B}" type="datetimeFigureOut">
               <a:rPr lang="en-US" smtClean="0"/>
-              <a:t>5/30/19</a:t>
+              <a:t>5/31/19</a:t>
             </a:fld>
             <a:endParaRPr lang="en-US"/>
           </a:p>
@@ -2171,7 +2171,7 @@
           <a:p>
             <a:fld id="{7FF9FAE2-0C5C-4E49-9521-393C8F8F647B}" type="datetimeFigureOut">
               <a:rPr lang="en-US" smtClean="0"/>
-              <a:t>5/30/19</a:t>
+              <a:t>5/31/19</a:t>
             </a:fld>
             <a:endParaRPr lang="en-US"/>
           </a:p>
@@ -2266,7 +2266,7 @@
           <a:p>
             <a:fld id="{7FF9FAE2-0C5C-4E49-9521-393C8F8F647B}" type="datetimeFigureOut">
               <a:rPr lang="en-US" smtClean="0"/>
-              <a:t>5/30/19</a:t>
+              <a:t>5/31/19</a:t>
             </a:fld>
             <a:endParaRPr lang="en-US"/>
           </a:p>
@@ -2543,7 +2543,7 @@
           <a:p>
             <a:fld id="{7FF9FAE2-0C5C-4E49-9521-393C8F8F647B}" type="datetimeFigureOut">
               <a:rPr lang="en-US" smtClean="0"/>
-              <a:t>5/30/19</a:t>
+              <a:t>5/31/19</a:t>
             </a:fld>
             <a:endParaRPr lang="en-US"/>
           </a:p>
@@ -2800,7 +2800,7 @@
           <a:p>
             <a:fld id="{7FF9FAE2-0C5C-4E49-9521-393C8F8F647B}" type="datetimeFigureOut">
               <a:rPr lang="en-US" smtClean="0"/>
-              <a:t>5/30/19</a:t>
+              <a:t>5/31/19</a:t>
             </a:fld>
             <a:endParaRPr lang="en-US"/>
           </a:p>
@@ -3013,7 +3013,7 @@
           <a:p>
             <a:fld id="{7FF9FAE2-0C5C-4E49-9521-393C8F8F647B}" type="datetimeFigureOut">
               <a:rPr lang="en-US" smtClean="0"/>
-              <a:t>5/30/19</a:t>
+              <a:t>5/31/19</a:t>
             </a:fld>
             <a:endParaRPr lang="en-US"/>
           </a:p>
@@ -3731,7 +3731,7 @@
         </p:nvSpPr>
         <p:spPr>
           <a:xfrm>
-            <a:off x="1163781" y="23003767"/>
+            <a:off x="1163781" y="23206967"/>
             <a:ext cx="19784291" cy="1938992"/>
           </a:xfrm>
           <a:prstGeom prst="rect">
@@ -3786,8 +3786,8 @@
         </p:nvSpPr>
         <p:spPr>
           <a:xfrm>
-            <a:off x="22943123" y="23003767"/>
-            <a:ext cx="19784291" cy="2862322"/>
+            <a:off x="22943123" y="23206967"/>
+            <a:ext cx="19784291" cy="1938992"/>
           </a:xfrm>
           <a:prstGeom prst="rect">
             <a:avLst/>
@@ -3816,7 +3816,7 @@
                 </a:solidFill>
                 <a:latin typeface="Corbel" panose="020B0503020204020204" pitchFamily="34" charset="0"/>
               </a:rPr>
-              <a:t> As optimization suggests, soil nutrient supply has little impact on  leaf-level photosynthesis. This implies added soil nutrients act to increase biomass and/or storage.</a:t>
+              <a:t> No. Soil nutrients act to increase biomass and/or storage, but not leaf photosynthesis.</a:t>
             </a:r>
             <a:endParaRPr lang="en-US" sz="6000" b="1" dirty="0">
               <a:solidFill>
@@ -3841,7 +3841,7 @@
         </p:nvSpPr>
         <p:spPr>
           <a:xfrm>
-            <a:off x="1163781" y="35986399"/>
+            <a:off x="1163781" y="36240399"/>
             <a:ext cx="19784291" cy="2862322"/>
           </a:xfrm>
           <a:prstGeom prst="rect">
@@ -3908,8 +3908,8 @@
         </p:nvSpPr>
         <p:spPr>
           <a:xfrm>
-            <a:off x="23067813" y="35986399"/>
-            <a:ext cx="19784291" cy="3785652"/>
+            <a:off x="23067813" y="36240399"/>
+            <a:ext cx="19784291" cy="2862322"/>
           </a:xfrm>
           <a:prstGeom prst="rect">
             <a:avLst/>
@@ -3938,7 +3938,72 @@
                 </a:solidFill>
                 <a:latin typeface="Corbel" panose="020B0503020204020204" pitchFamily="34" charset="0"/>
               </a:rPr>
-              <a:t> Increasing temperature alone will increase allocation to Rubisco carboxylation, generally increasing photosynthesis. Elevated CO2 may lead to an overinvestment in electron transport, resulting in higher, but sub-optimal photosynthesis.</a:t>
+              <a:t> Higher temperatures </a:t>
+            </a:r>
+            <a:r>
+              <a:rPr lang="en-US" sz="6000" dirty="0">
+                <a:solidFill>
+                  <a:srgbClr val="009193"/>
+                </a:solidFill>
+                <a:latin typeface="Corbel" panose="020B0503020204020204" pitchFamily="34" charset="0"/>
+                <a:sym typeface="Wingdings" pitchFamily="2" charset="2"/>
+              </a:rPr>
+              <a:t> </a:t>
+            </a:r>
+            <a:r>
+              <a:rPr lang="en-US" sz="6000" dirty="0">
+                <a:solidFill>
+                  <a:srgbClr val="009193"/>
+                </a:solidFill>
+                <a:latin typeface="Corbel" panose="020B0503020204020204" pitchFamily="34" charset="0"/>
+              </a:rPr>
+              <a:t>increase allocation to </a:t>
+            </a:r>
+            <a:r>
+              <a:rPr lang="en-US" sz="6000" i="1" dirty="0" err="1">
+                <a:solidFill>
+                  <a:srgbClr val="009193"/>
+                </a:solidFill>
+                <a:latin typeface="Corbel" panose="020B0503020204020204" pitchFamily="34" charset="0"/>
+              </a:rPr>
+              <a:t>V</a:t>
+            </a:r>
+            <a:r>
+              <a:rPr lang="en-US" sz="6000" baseline="-25000" dirty="0" err="1">
+                <a:solidFill>
+                  <a:srgbClr val="009193"/>
+                </a:solidFill>
+                <a:latin typeface="Corbel" panose="020B0503020204020204" pitchFamily="34" charset="0"/>
+              </a:rPr>
+              <a:t>cmax</a:t>
+            </a:r>
+            <a:r>
+              <a:rPr lang="en-US" sz="6000" dirty="0">
+                <a:solidFill>
+                  <a:srgbClr val="009193"/>
+                </a:solidFill>
+                <a:latin typeface="Corbel" panose="020B0503020204020204" pitchFamily="34" charset="0"/>
+              </a:rPr>
+              <a:t> and photosynthesis. Elevated CO2 </a:t>
+            </a:r>
+            <a:r>
+              <a:rPr lang="en-US" sz="6000" dirty="0">
+                <a:solidFill>
+                  <a:srgbClr val="009193"/>
+                </a:solidFill>
+                <a:latin typeface="Corbel" panose="020B0503020204020204" pitchFamily="34" charset="0"/>
+                <a:sym typeface="Wingdings" pitchFamily="2" charset="2"/>
+              </a:rPr>
+              <a:t> </a:t>
+            </a:r>
+            <a:r>
+              <a:rPr lang="en-US" sz="6000" dirty="0">
+                <a:solidFill>
+                  <a:srgbClr val="009193"/>
+                </a:solidFill>
+                <a:latin typeface="Corbel" panose="020B0503020204020204" pitchFamily="34" charset="0"/>
+              </a:rPr>
+              <a:t>overinvestment in electron transport and higher, sub-optimal photosynthesis.</a:t>
             </a:r>
             <a:endParaRPr lang="en-US" sz="6000" b="1" dirty="0">
               <a:solidFill>
@@ -3971,8 +4036,8 @@
         </p:blipFill>
         <p:spPr>
           <a:xfrm>
-            <a:off x="13225218" y="15221618"/>
-            <a:ext cx="6739182" cy="7782150"/>
+            <a:off x="12835331" y="15221617"/>
+            <a:ext cx="7129069" cy="8232377"/>
           </a:xfrm>
           <a:prstGeom prst="rect">
             <a:avLst/>
@@ -4001,145 +4066,14 @@
         </p:blipFill>
         <p:spPr>
           <a:xfrm>
-            <a:off x="1734651" y="16128507"/>
-            <a:ext cx="9676500" cy="4281638"/>
+            <a:off x="789455" y="17186971"/>
+            <a:ext cx="11651694" cy="5155618"/>
           </a:xfrm>
           <a:prstGeom prst="rect">
             <a:avLst/>
           </a:prstGeom>
         </p:spPr>
       </p:pic>
-      <p:sp>
-        <p:nvSpPr>
-          <p:cNvPr id="20" name="TextBox 19">
-            <a:extLst>
-              <a:ext uri="{FF2B5EF4-FFF2-40B4-BE49-F238E27FC236}">
-                <a16:creationId xmlns:a16="http://schemas.microsoft.com/office/drawing/2014/main" id="{BFDD8647-B5E9-1B4B-A86F-45D0BD34E26A}"/>
-              </a:ext>
-            </a:extLst>
-          </p:cNvPr>
-          <p:cNvSpPr txBox="1"/>
-          <p:nvPr/>
-        </p:nvSpPr>
-        <p:spPr>
-          <a:xfrm>
-            <a:off x="1514303" y="20410145"/>
-            <a:ext cx="11029140" cy="2554545"/>
-          </a:xfrm>
-          <a:prstGeom prst="rect">
-            <a:avLst/>
-          </a:prstGeom>
-          <a:noFill/>
-        </p:spPr>
-        <p:txBody>
-          <a:bodyPr wrap="square" rtlCol="0">
-            <a:spAutoFit/>
-          </a:bodyPr>
-          <a:lstStyle/>
-          <a:p>
-            <a:r>
-              <a:rPr lang="en-US" sz="3200" dirty="0">
-                <a:solidFill>
-                  <a:srgbClr val="011893"/>
-                </a:solidFill>
-                <a:latin typeface="Corbel" panose="020B0503020204020204" pitchFamily="34" charset="0"/>
-              </a:rPr>
-              <a:t>(Top) Expected environmental response of carboxylation capacity (</a:t>
-            </a:r>
-            <a:r>
-              <a:rPr lang="en-US" sz="3200" i="1" dirty="0" err="1">
-                <a:solidFill>
-                  <a:srgbClr val="011893"/>
-                </a:solidFill>
-                <a:latin typeface="Corbel" panose="020B0503020204020204" pitchFamily="34" charset="0"/>
-              </a:rPr>
-              <a:t>V</a:t>
-            </a:r>
-            <a:r>
-              <a:rPr lang="en-US" sz="3200" baseline="-25000" dirty="0" err="1">
-                <a:solidFill>
-                  <a:srgbClr val="011893"/>
-                </a:solidFill>
-                <a:latin typeface="Corbel" panose="020B0503020204020204" pitchFamily="34" charset="0"/>
-              </a:rPr>
-              <a:t>cmax</a:t>
-            </a:r>
-            <a:r>
-              <a:rPr lang="en-US" sz="3200" dirty="0">
-                <a:solidFill>
-                  <a:srgbClr val="011893"/>
-                </a:solidFill>
-                <a:latin typeface="Corbel" panose="020B0503020204020204" pitchFamily="34" charset="0"/>
-              </a:rPr>
-              <a:t>) and the ratio of intercellular to ambient CO2 (</a:t>
-            </a:r>
-            <a:r>
-              <a:rPr lang="en-US" sz="3200" i="1" dirty="0">
-                <a:solidFill>
-                  <a:srgbClr val="011893"/>
-                </a:solidFill>
-                <a:latin typeface="Corbel" panose="020B0503020204020204" pitchFamily="34" charset="0"/>
-              </a:rPr>
-              <a:t>X</a:t>
-            </a:r>
-            <a:r>
-              <a:rPr lang="en-US" sz="3200" dirty="0">
-                <a:solidFill>
-                  <a:srgbClr val="011893"/>
-                </a:solidFill>
-                <a:latin typeface="Corbel" panose="020B0503020204020204" pitchFamily="34" charset="0"/>
-              </a:rPr>
-              <a:t>). </a:t>
-            </a:r>
-          </a:p>
-          <a:p>
-            <a:endParaRPr lang="en-US" sz="3200" dirty="0">
-              <a:solidFill>
-                <a:srgbClr val="011893"/>
-              </a:solidFill>
-              <a:latin typeface="Corbel" panose="020B0503020204020204" pitchFamily="34" charset="0"/>
-            </a:endParaRPr>
-          </a:p>
-          <a:p>
-            <a:r>
-              <a:rPr lang="en-US" sz="3200" dirty="0">
-                <a:solidFill>
-                  <a:srgbClr val="011893"/>
-                </a:solidFill>
-                <a:latin typeface="Corbel" panose="020B0503020204020204" pitchFamily="34" charset="0"/>
-              </a:rPr>
-              <a:t>(Right) globally observed versus optimality predicted </a:t>
-            </a:r>
-            <a:r>
-              <a:rPr lang="en-US" sz="3200" i="1" dirty="0" err="1">
-                <a:solidFill>
-                  <a:srgbClr val="011893"/>
-                </a:solidFill>
-                <a:latin typeface="Corbel" panose="020B0503020204020204" pitchFamily="34" charset="0"/>
-              </a:rPr>
-              <a:t>V</a:t>
-            </a:r>
-            <a:r>
-              <a:rPr lang="en-US" sz="3200" baseline="-25000" dirty="0" err="1">
-                <a:solidFill>
-                  <a:srgbClr val="011893"/>
-                </a:solidFill>
-                <a:latin typeface="Corbel" panose="020B0503020204020204" pitchFamily="34" charset="0"/>
-              </a:rPr>
-              <a:t>cmax</a:t>
-            </a:r>
-            <a:r>
-              <a:rPr lang="en-US" sz="3200" dirty="0">
-                <a:solidFill>
-                  <a:srgbClr val="011893"/>
-                </a:solidFill>
-                <a:latin typeface="Corbel" panose="020B0503020204020204" pitchFamily="34" charset="0"/>
-              </a:rPr>
-              <a:t>. From Smith et al. (2019) Ecology Letters.</a:t>
-            </a:r>
-          </a:p>
-        </p:txBody>
-      </p:sp>
       <p:sp>
         <p:nvSpPr>
           <p:cNvPr id="21" name="TextBox 20">
@@ -4212,8 +4146,8 @@
         </p:blipFill>
         <p:spPr>
           <a:xfrm>
-            <a:off x="34556709" y="16170888"/>
-            <a:ext cx="8069568" cy="6147335"/>
+            <a:off x="36140457" y="16840086"/>
+            <a:ext cx="6603306" cy="5030348"/>
           </a:xfrm>
           <a:prstGeom prst="rect">
             <a:avLst/>
@@ -4242,8 +4176,8 @@
         </p:blipFill>
         <p:spPr>
           <a:xfrm>
-            <a:off x="23447540" y="15137886"/>
-            <a:ext cx="4889987" cy="4771800"/>
+            <a:off x="22499471" y="16074289"/>
+            <a:ext cx="6220029" cy="6069696"/>
           </a:xfrm>
           <a:prstGeom prst="rect">
             <a:avLst/>
@@ -4272,91 +4206,14 @@
         </p:blipFill>
         <p:spPr>
           <a:xfrm>
-            <a:off x="28723423" y="15137886"/>
-            <a:ext cx="4889987" cy="4771800"/>
+            <a:off x="28719500" y="16074289"/>
+            <a:ext cx="6220029" cy="6069696"/>
           </a:xfrm>
           <a:prstGeom prst="rect">
             <a:avLst/>
           </a:prstGeom>
         </p:spPr>
       </p:pic>
-      <p:sp>
-        <p:nvSpPr>
-          <p:cNvPr id="22" name="TextBox 21">
-            <a:extLst>
-              <a:ext uri="{FF2B5EF4-FFF2-40B4-BE49-F238E27FC236}">
-                <a16:creationId xmlns:a16="http://schemas.microsoft.com/office/drawing/2014/main" id="{B303E620-DFE7-2F4E-8F9A-14FD2D0CDB88}"/>
-              </a:ext>
-            </a:extLst>
-          </p:cNvPr>
-          <p:cNvSpPr txBox="1"/>
-          <p:nvPr/>
-        </p:nvSpPr>
-        <p:spPr>
-          <a:xfrm>
-            <a:off x="22943123" y="20181428"/>
-            <a:ext cx="11029140" cy="2677656"/>
-          </a:xfrm>
-          <a:prstGeom prst="rect">
-            <a:avLst/>
-          </a:prstGeom>
-          <a:noFill/>
-        </p:spPr>
-        <p:txBody>
-          <a:bodyPr wrap="square" rtlCol="0">
-            <a:spAutoFit/>
-          </a:bodyPr>
-          <a:lstStyle/>
-          <a:p>
-            <a:r>
-              <a:rPr lang="en-US" sz="2800" dirty="0">
-                <a:solidFill>
-                  <a:srgbClr val="011893"/>
-                </a:solidFill>
-                <a:latin typeface="Corbel" panose="020B0503020204020204" pitchFamily="34" charset="0"/>
-              </a:rPr>
-              <a:t>(Top) Adding nitrogen had little impact on greenhouse-grown cotton (p&gt;0.05), but had a large positive impact on leaf area (p&lt;0.05). </a:t>
-            </a:r>
-          </a:p>
-          <a:p>
-            <a:endParaRPr lang="en-US" sz="2800" dirty="0">
-              <a:solidFill>
-                <a:srgbClr val="011893"/>
-              </a:solidFill>
-              <a:latin typeface="Corbel" panose="020B0503020204020204" pitchFamily="34" charset="0"/>
-            </a:endParaRPr>
-          </a:p>
-          <a:p>
-            <a:r>
-              <a:rPr lang="en-US" sz="2800" dirty="0">
-                <a:solidFill>
-                  <a:srgbClr val="011893"/>
-                </a:solidFill>
-                <a:latin typeface="Corbel" panose="020B0503020204020204" pitchFamily="34" charset="0"/>
-              </a:rPr>
-              <a:t>(Right) Data from the </a:t>
-            </a:r>
-            <a:r>
-              <a:rPr lang="en-US" sz="2800" dirty="0" err="1">
-                <a:solidFill>
-                  <a:srgbClr val="011893"/>
-                </a:solidFill>
-                <a:latin typeface="Corbel" panose="020B0503020204020204" pitchFamily="34" charset="0"/>
-              </a:rPr>
-              <a:t>NutNet</a:t>
-            </a:r>
-            <a:r>
-              <a:rPr lang="en-US" sz="2800" dirty="0">
-                <a:solidFill>
-                  <a:srgbClr val="011893"/>
-                </a:solidFill>
-                <a:latin typeface="Corbel" panose="020B0503020204020204" pitchFamily="34" charset="0"/>
-              </a:rPr>
-              <a:t> experiment shows that soil N availability does not have a strong influence on leaf nitrogen (boxes proportional to leaf nitrogen variance explained by each factor).</a:t>
-            </a:r>
-          </a:p>
-        </p:txBody>
-      </p:sp>
       <p:sp>
         <p:nvSpPr>
           <p:cNvPr id="16" name="TextBox 15">
@@ -4371,8 +4228,8 @@
         </p:nvSpPr>
         <p:spPr>
           <a:xfrm>
-            <a:off x="35687493" y="15486442"/>
-            <a:ext cx="5808000" cy="707886"/>
+            <a:off x="34939529" y="15516647"/>
+            <a:ext cx="8763938" cy="1323439"/>
           </a:xfrm>
           <a:prstGeom prst="rect">
             <a:avLst/>
@@ -4385,19 +4242,47 @@
           </a:bodyPr>
           <a:lstStyle/>
           <a:p>
+            <a:pPr algn="ctr"/>
             <a:r>
               <a:rPr lang="en-US" sz="4000" dirty="0">
                 <a:solidFill>
-                  <a:srgbClr val="5E5E5E"/>
+                  <a:srgbClr val="011893"/>
                 </a:solidFill>
                 <a:latin typeface="Corbel" panose="020B0503020204020204" pitchFamily="34" charset="0"/>
               </a:rPr>
-              <a:t>Drivers of leaf N at </a:t>
+              <a:t>Drivers of leaf </a:t>
+            </a:r>
+            <a:r>
+              <a:rPr lang="en-US" sz="4000" i="1" dirty="0" err="1">
+                <a:solidFill>
+                  <a:srgbClr val="011893"/>
+                </a:solidFill>
+                <a:latin typeface="Corbel" panose="020B0503020204020204" pitchFamily="34" charset="0"/>
+              </a:rPr>
+              <a:t>N</a:t>
+            </a:r>
+            <a:r>
+              <a:rPr lang="en-US" sz="4000" baseline="-25000" dirty="0" err="1">
+                <a:solidFill>
+                  <a:srgbClr val="011893"/>
+                </a:solidFill>
+                <a:latin typeface="Corbel" panose="020B0503020204020204" pitchFamily="34" charset="0"/>
+              </a:rPr>
+              <a:t>area</a:t>
+            </a:r>
+            <a:r>
+              <a:rPr lang="en-US" sz="4000" dirty="0">
+                <a:solidFill>
+                  <a:srgbClr val="011893"/>
+                </a:solidFill>
+                <a:latin typeface="Corbel" panose="020B0503020204020204" pitchFamily="34" charset="0"/>
+              </a:rPr>
+              <a:t> at </a:t>
             </a:r>
             <a:r>
               <a:rPr lang="en-US" sz="4000" dirty="0" err="1">
                 <a:solidFill>
-                  <a:srgbClr val="5E5E5E"/>
+                  <a:srgbClr val="011893"/>
                 </a:solidFill>
                 <a:latin typeface="Corbel" panose="020B0503020204020204" pitchFamily="34" charset="0"/>
               </a:rPr>
@@ -4405,10 +4290,22 @@
             </a:r>
             <a:endParaRPr lang="en-US" sz="4000" dirty="0">
               <a:solidFill>
-                <a:srgbClr val="5E5E5E"/>
+                <a:srgbClr val="011893"/>
               </a:solidFill>
               <a:latin typeface="Corbel" panose="020B0503020204020204" pitchFamily="34" charset="0"/>
             </a:endParaRPr>
+          </a:p>
+          <a:p>
+            <a:pPr algn="ctr"/>
+            <a:r>
+              <a:rPr lang="en-US" sz="4000" dirty="0">
+                <a:solidFill>
+                  <a:srgbClr val="011893"/>
+                </a:solidFill>
+                <a:latin typeface="Corbel" panose="020B0503020204020204" pitchFamily="34" charset="0"/>
+              </a:rPr>
+              <a:t>(area proportional to variance explained)</a:t>
+            </a:r>
           </a:p>
         </p:txBody>
       </p:sp>
@@ -4538,7 +4435,7 @@
         </p:blipFill>
         <p:spPr>
           <a:xfrm>
-            <a:off x="23179645" y="27585651"/>
+            <a:off x="25208470" y="27585651"/>
             <a:ext cx="7193428" cy="8400748"/>
           </a:xfrm>
           <a:prstGeom prst="rect">
@@ -4567,7 +4464,7 @@
         </p:blipFill>
         <p:spPr>
           <a:xfrm>
-            <a:off x="26737844" y="27916338"/>
+            <a:off x="28766669" y="27916338"/>
             <a:ext cx="3246912" cy="1573061"/>
           </a:xfrm>
           <a:prstGeom prst="rect">
@@ -4596,7 +4493,7 @@
         </p:blipFill>
         <p:spPr>
           <a:xfrm>
-            <a:off x="36597712" y="27325882"/>
+            <a:off x="34740337" y="27325882"/>
             <a:ext cx="5083687" cy="8603510"/>
           </a:xfrm>
           <a:prstGeom prst="rect">
@@ -4604,191 +4501,6 @@
           </a:prstGeom>
         </p:spPr>
       </p:pic>
-      <p:sp>
-        <p:nvSpPr>
-          <p:cNvPr id="28" name="TextBox 27">
-            <a:extLst>
-              <a:ext uri="{FF2B5EF4-FFF2-40B4-BE49-F238E27FC236}">
-                <a16:creationId xmlns:a16="http://schemas.microsoft.com/office/drawing/2014/main" id="{8CC4DC2C-B216-C244-B065-1518AC10171B}"/>
-              </a:ext>
-            </a:extLst>
-          </p:cNvPr>
-          <p:cNvSpPr txBox="1"/>
-          <p:nvPr/>
-        </p:nvSpPr>
-        <p:spPr>
-          <a:xfrm>
-            <a:off x="30982672" y="29254821"/>
-            <a:ext cx="5391181" cy="5078313"/>
-          </a:xfrm>
-          <a:prstGeom prst="rect">
-            <a:avLst/>
-          </a:prstGeom>
-          <a:noFill/>
-        </p:spPr>
-        <p:txBody>
-          <a:bodyPr wrap="square" rtlCol="0">
-            <a:spAutoFit/>
-          </a:bodyPr>
-          <a:lstStyle/>
-          <a:p>
-            <a:r>
-              <a:rPr lang="en-US" sz="3600" dirty="0">
-                <a:solidFill>
-                  <a:srgbClr val="011893"/>
-                </a:solidFill>
-                <a:latin typeface="Corbel" panose="020B0503020204020204" pitchFamily="34" charset="0"/>
-              </a:rPr>
-              <a:t>(Left) Increased temperatures reduces the </a:t>
-            </a:r>
-            <a:r>
-              <a:rPr lang="en-US" sz="3600" i="1" dirty="0" err="1">
-                <a:solidFill>
-                  <a:srgbClr val="011893"/>
-                </a:solidFill>
-                <a:latin typeface="Corbel" panose="020B0503020204020204" pitchFamily="34" charset="0"/>
-              </a:rPr>
-              <a:t>J</a:t>
-            </a:r>
-            <a:r>
-              <a:rPr lang="en-US" sz="3600" baseline="-25000" dirty="0" err="1">
-                <a:solidFill>
-                  <a:srgbClr val="011893"/>
-                </a:solidFill>
-                <a:latin typeface="Corbel" panose="020B0503020204020204" pitchFamily="34" charset="0"/>
-              </a:rPr>
-              <a:t>max</a:t>
-            </a:r>
-            <a:r>
-              <a:rPr lang="en-US" sz="3600" i="1" dirty="0">
-                <a:solidFill>
-                  <a:srgbClr val="011893"/>
-                </a:solidFill>
-                <a:latin typeface="Corbel" panose="020B0503020204020204" pitchFamily="34" charset="0"/>
-              </a:rPr>
-              <a:t>/</a:t>
-            </a:r>
-            <a:r>
-              <a:rPr lang="en-US" sz="3600" i="1" dirty="0" err="1">
-                <a:solidFill>
-                  <a:srgbClr val="011893"/>
-                </a:solidFill>
-                <a:latin typeface="Corbel" panose="020B0503020204020204" pitchFamily="34" charset="0"/>
-              </a:rPr>
-              <a:t>V</a:t>
-            </a:r>
-            <a:r>
-              <a:rPr lang="en-US" sz="3600" baseline="-25000" dirty="0" err="1">
-                <a:solidFill>
-                  <a:srgbClr val="011893"/>
-                </a:solidFill>
-                <a:latin typeface="Corbel" panose="020B0503020204020204" pitchFamily="34" charset="0"/>
-              </a:rPr>
-              <a:t>cmax</a:t>
-            </a:r>
-            <a:r>
-              <a:rPr lang="en-US" sz="3600" dirty="0">
-                <a:solidFill>
-                  <a:srgbClr val="011893"/>
-                </a:solidFill>
-                <a:latin typeface="Corbel" panose="020B0503020204020204" pitchFamily="34" charset="0"/>
-              </a:rPr>
-              <a:t> ratio, as expected from optimization</a:t>
-            </a:r>
-            <a:r>
-              <a:rPr lang="en-US" sz="3600" i="1" dirty="0">
-                <a:solidFill>
-                  <a:srgbClr val="011893"/>
-                </a:solidFill>
-                <a:latin typeface="Corbel" panose="020B0503020204020204" pitchFamily="34" charset="0"/>
-              </a:rPr>
-              <a:t>.</a:t>
-            </a:r>
-            <a:r>
-              <a:rPr lang="en-US" sz="3600" dirty="0">
-                <a:solidFill>
-                  <a:srgbClr val="011893"/>
-                </a:solidFill>
-                <a:latin typeface="Corbel" panose="020B0503020204020204" pitchFamily="34" charset="0"/>
-              </a:rPr>
-              <a:t> </a:t>
-            </a:r>
-          </a:p>
-          <a:p>
-            <a:endParaRPr lang="en-US" sz="3600" dirty="0">
-              <a:solidFill>
-                <a:srgbClr val="011893"/>
-              </a:solidFill>
-              <a:latin typeface="Corbel" panose="020B0503020204020204" pitchFamily="34" charset="0"/>
-            </a:endParaRPr>
-          </a:p>
-          <a:p>
-            <a:r>
-              <a:rPr lang="en-US" sz="3600" dirty="0">
-                <a:solidFill>
-                  <a:srgbClr val="011893"/>
-                </a:solidFill>
-                <a:latin typeface="Corbel" panose="020B0503020204020204" pitchFamily="34" charset="0"/>
-              </a:rPr>
-              <a:t>(Right) Elevated CO2 reduces </a:t>
-            </a:r>
-            <a:r>
-              <a:rPr lang="en-US" sz="3600" i="1" dirty="0" err="1">
-                <a:solidFill>
-                  <a:srgbClr val="011893"/>
-                </a:solidFill>
-                <a:latin typeface="Corbel" panose="020B0503020204020204" pitchFamily="34" charset="0"/>
-              </a:rPr>
-              <a:t>V</a:t>
-            </a:r>
-            <a:r>
-              <a:rPr lang="en-US" sz="3600" baseline="-25000" dirty="0" err="1">
-                <a:solidFill>
-                  <a:srgbClr val="011893"/>
-                </a:solidFill>
-                <a:latin typeface="Corbel" panose="020B0503020204020204" pitchFamily="34" charset="0"/>
-              </a:rPr>
-              <a:t>cmax</a:t>
-            </a:r>
-            <a:r>
-              <a:rPr lang="en-US" sz="3600" dirty="0">
-                <a:solidFill>
-                  <a:srgbClr val="011893"/>
-                </a:solidFill>
-                <a:latin typeface="Corbel" panose="020B0503020204020204" pitchFamily="34" charset="0"/>
-              </a:rPr>
-              <a:t>, as expected from optimization, but also reduces </a:t>
-            </a:r>
-            <a:r>
-              <a:rPr lang="en-US" sz="3600" i="1" dirty="0" err="1">
-                <a:solidFill>
-                  <a:srgbClr val="011893"/>
-                </a:solidFill>
-                <a:latin typeface="Corbel" panose="020B0503020204020204" pitchFamily="34" charset="0"/>
-              </a:rPr>
-              <a:t>J</a:t>
-            </a:r>
-            <a:r>
-              <a:rPr lang="en-US" sz="3600" baseline="-25000" dirty="0" err="1">
-                <a:solidFill>
-                  <a:srgbClr val="011893"/>
-                </a:solidFill>
-                <a:latin typeface="Corbel" panose="020B0503020204020204" pitchFamily="34" charset="0"/>
-              </a:rPr>
-              <a:t>max</a:t>
-            </a:r>
-            <a:r>
-              <a:rPr lang="en-US" sz="3600" dirty="0">
-                <a:solidFill>
-                  <a:srgbClr val="011893"/>
-                </a:solidFill>
-                <a:latin typeface="Corbel" panose="020B0503020204020204" pitchFamily="34" charset="0"/>
-              </a:rPr>
-              <a:t>.</a:t>
-            </a:r>
-          </a:p>
-        </p:txBody>
-      </p:sp>
       <p:pic>
         <p:nvPicPr>
           <p:cNvPr id="2" name="Picture 1">
@@ -4819,6 +4531,46 @@
           </a:prstGeom>
         </p:spPr>
       </p:pic>
+      <p:sp>
+        <p:nvSpPr>
+          <p:cNvPr id="29" name="TextBox 28">
+            <a:extLst>
+              <a:ext uri="{FF2B5EF4-FFF2-40B4-BE49-F238E27FC236}">
+                <a16:creationId xmlns:a16="http://schemas.microsoft.com/office/drawing/2014/main" id="{70AD19B0-4733-E746-B46A-6019B7C7F635}"/>
+              </a:ext>
+            </a:extLst>
+          </p:cNvPr>
+          <p:cNvSpPr txBox="1"/>
+          <p:nvPr/>
+        </p:nvSpPr>
+        <p:spPr>
+          <a:xfrm>
+            <a:off x="23859382" y="15298107"/>
+            <a:ext cx="10798149" cy="707886"/>
+          </a:xfrm>
+          <a:prstGeom prst="rect">
+            <a:avLst/>
+          </a:prstGeom>
+          <a:noFill/>
+        </p:spPr>
+        <p:txBody>
+          <a:bodyPr wrap="none" rtlCol="0">
+            <a:spAutoFit/>
+          </a:bodyPr>
+          <a:lstStyle/>
+          <a:p>
+            <a:r>
+              <a:rPr lang="en-US" sz="4000" dirty="0">
+                <a:solidFill>
+                  <a:srgbClr val="011893"/>
+                </a:solidFill>
+                <a:latin typeface="Corbel" panose="020B0503020204020204" pitchFamily="34" charset="0"/>
+              </a:rPr>
+              <a:t>Greenhouse grown cotton fertilization experiment</a:t>
+            </a:r>
+          </a:p>
+        </p:txBody>
+      </p:sp>
     </p:spTree>
     <p:extLst>
       <p:ext uri="{BB962C8B-B14F-4D97-AF65-F5344CB8AC3E}">
